--- a/digital portfolio ppt . file.pptx
+++ b/digital portfolio ppt . file.pptx
@@ -2,23 +2,23 @@
 <file path=ppt/presentation.xml><?xml version="1.0" encoding="utf-8"?>
 <p:presentation xmlns:p="http://schemas.openxmlformats.org/presentationml/2006/main" xmlns:r="http://schemas.openxmlformats.org/officeDocument/2006/relationships" xmlns:a="http://schemas.openxmlformats.org/drawingml/2006/main">
   <p:sldMasterIdLst>
-    <p:sldMasterId id="2147483660" r:id="rId1"/>
+    <p:sldMasterId id="2147483648" r:id="rId1"/>
   </p:sldMasterIdLst>
   <p:notesMasterIdLst>
     <p:notesMasterId r:id="rId2"/>
   </p:notesMasterIdLst>
   <p:sldIdLst>
-    <p:sldId id="283" r:id="rId3"/>
-    <p:sldId id="284" r:id="rId4"/>
-    <p:sldId id="285" r:id="rId5"/>
-    <p:sldId id="286" r:id="rId6"/>
-    <p:sldId id="287" r:id="rId7"/>
-    <p:sldId id="288" r:id="rId8"/>
-    <p:sldId id="289" r:id="rId9"/>
-    <p:sldId id="290" r:id="rId10"/>
-    <p:sldId id="291" r:id="rId11"/>
-    <p:sldId id="292" r:id="rId12"/>
-    <p:sldId id="293" r:id="rId13"/>
+    <p:sldId id="257" r:id="rId3"/>
+    <p:sldId id="258" r:id="rId4"/>
+    <p:sldId id="259" r:id="rId5"/>
+    <p:sldId id="260" r:id="rId6"/>
+    <p:sldId id="261" r:id="rId7"/>
+    <p:sldId id="262" r:id="rId8"/>
+    <p:sldId id="263" r:id="rId9"/>
+    <p:sldId id="264" r:id="rId10"/>
+    <p:sldId id="265" r:id="rId11"/>
+    <p:sldId id="266" r:id="rId12"/>
+    <p:sldId id="267" r:id="rId13"/>
   </p:sldIdLst>
   <p:sldSz type="screen16x9" cy="6858000" cx="12192000"/>
   <p:notesSz cx="12192000" cy="6858000"/>
@@ -144,7 +144,7 @@
       </p:grpSpPr>
       <p:sp>
         <p:nvSpPr>
-          <p:cNvPr id="1048700" name="Header Placeholder 1"/>
+          <p:cNvPr id="1048701" name="Header Placeholder 1"/>
           <p:cNvSpPr>
             <a:spLocks noGrp="1"/>
           </p:cNvSpPr>
@@ -173,7 +173,7 @@
       </p:sp>
       <p:sp>
         <p:nvSpPr>
-          <p:cNvPr id="1048701" name="Date Placeholder 2"/>
+          <p:cNvPr id="1048702" name="Date Placeholder 2"/>
           <p:cNvSpPr>
             <a:spLocks noGrp="1"/>
           </p:cNvSpPr>
@@ -206,7 +206,7 @@
       </p:sp>
       <p:sp>
         <p:nvSpPr>
-          <p:cNvPr id="1048702" name="Slide Image Placeholder 3"/>
+          <p:cNvPr id="1048703" name="Slide Image Placeholder 3"/>
           <p:cNvSpPr>
             <a:spLocks noChangeAspect="1" noRot="1" noGrp="1"/>
           </p:cNvSpPr>
@@ -236,7 +236,7 @@
       </p:sp>
       <p:sp>
         <p:nvSpPr>
-          <p:cNvPr id="1048703" name="Notes Placeholder 4"/>
+          <p:cNvPr id="1048704" name="Notes Placeholder 4"/>
           <p:cNvSpPr>
             <a:spLocks noGrp="1"/>
           </p:cNvSpPr>
@@ -293,7 +293,7 @@
       </p:sp>
       <p:sp>
         <p:nvSpPr>
-          <p:cNvPr id="1048704" name="Footer Placeholder 5"/>
+          <p:cNvPr id="1048705" name="Footer Placeholder 5"/>
           <p:cNvSpPr>
             <a:spLocks noGrp="1"/>
           </p:cNvSpPr>
@@ -322,7 +322,7 @@
       </p:sp>
       <p:sp>
         <p:nvSpPr>
-          <p:cNvPr id="1048705" name="Slide Number Placeholder 6"/>
+          <p:cNvPr id="1048706" name="Slide Number Placeholder 6"/>
           <p:cNvSpPr>
             <a:spLocks noGrp="1"/>
           </p:cNvSpPr>
@@ -456,7 +456,7 @@
   <p:cSld>
     <p:spTree>
       <p:nvGrpSpPr>
-        <p:cNvPr id="28" name=""/>
+        <p:cNvPr id="30" name=""/>
         <p:cNvGrpSpPr/>
         <p:nvPr/>
       </p:nvGrpSpPr>
@@ -470,7 +470,7 @@
       </p:grpSpPr>
       <p:sp>
         <p:nvSpPr>
-          <p:cNvPr id="1048626" name="Slide Image Placeholder 1"/>
+          <p:cNvPr id="1048639" name="Slide Image Placeholder 1"/>
           <p:cNvSpPr>
             <a:spLocks noChangeAspect="1" noRot="1" noGrp="1"/>
           </p:cNvSpPr>
@@ -482,7 +482,7 @@
       </p:sp>
       <p:sp>
         <p:nvSpPr>
-          <p:cNvPr id="1048627" name="Notes Placeholder 2"/>
+          <p:cNvPr id="1048640" name="Notes Placeholder 2"/>
           <p:cNvSpPr>
             <a:spLocks noGrp="1"/>
           </p:cNvSpPr>
@@ -500,7 +500,7 @@
       </p:sp>
       <p:sp>
         <p:nvSpPr>
-          <p:cNvPr id="1048628" name="Slide Number Placeholder 3"/>
+          <p:cNvPr id="1048641" name="Slide Number Placeholder 3"/>
           <p:cNvSpPr>
             <a:spLocks noGrp="1"/>
           </p:cNvSpPr>
@@ -533,7 +533,7 @@
   <p:cSld name="Title Slide">
     <p:spTree>
       <p:nvGrpSpPr>
-        <p:cNvPr id="23" name=""/>
+        <p:cNvPr id="22" name=""/>
         <p:cNvGrpSpPr/>
         <p:nvPr/>
       </p:nvGrpSpPr>
@@ -547,7 +547,7 @@
       </p:grpSpPr>
       <p:sp>
         <p:nvSpPr>
-          <p:cNvPr id="1048610" name="Holder 2"/>
+          <p:cNvPr id="1048604" name="Holder 2"/>
           <p:cNvSpPr>
             <a:spLocks noGrp="1"/>
           </p:cNvSpPr>
@@ -582,7 +582,7 @@
       </p:sp>
       <p:sp>
         <p:nvSpPr>
-          <p:cNvPr id="1048611" name="Holder 3"/>
+          <p:cNvPr id="1048605" name="Holder 3"/>
           <p:cNvSpPr>
             <a:spLocks noGrp="1"/>
           </p:cNvSpPr>
@@ -606,7 +606,7 @@
       </p:sp>
       <p:sp>
         <p:nvSpPr>
-          <p:cNvPr id="1048612" name="Holder 4"/>
+          <p:cNvPr id="1048606" name="Holder 4"/>
           <p:cNvSpPr>
             <a:spLocks noGrp="1"/>
           </p:cNvSpPr>
@@ -633,7 +633,7 @@
       </p:sp>
       <p:sp>
         <p:nvSpPr>
-          <p:cNvPr id="1048613" name="Holder 5"/>
+          <p:cNvPr id="1048607" name="Holder 5"/>
           <p:cNvSpPr>
             <a:spLocks noGrp="1"/>
           </p:cNvSpPr>
@@ -666,7 +666,7 @@
       </p:sp>
       <p:sp>
         <p:nvSpPr>
-          <p:cNvPr id="1048614" name="Holder 6"/>
+          <p:cNvPr id="1048608" name="Holder 6"/>
           <p:cNvSpPr>
             <a:spLocks noGrp="1"/>
           </p:cNvSpPr>
@@ -732,7 +732,7 @@
       </p:grpSpPr>
       <p:sp>
         <p:nvSpPr>
-          <p:cNvPr id="1048686" name="Holder 2"/>
+          <p:cNvPr id="1048687" name="Holder 2"/>
           <p:cNvSpPr>
             <a:spLocks noGrp="1"/>
           </p:cNvSpPr>
@@ -759,7 +759,7 @@
       </p:sp>
       <p:sp>
         <p:nvSpPr>
-          <p:cNvPr id="1048687" name="Holder 3"/>
+          <p:cNvPr id="1048688" name="Holder 3"/>
           <p:cNvSpPr>
             <a:spLocks noGrp="1"/>
           </p:cNvSpPr>
@@ -775,7 +775,7 @@
       </p:sp>
       <p:sp>
         <p:nvSpPr>
-          <p:cNvPr id="1048688" name="Holder 4"/>
+          <p:cNvPr id="1048689" name="Holder 4"/>
           <p:cNvSpPr>
             <a:spLocks noGrp="1"/>
           </p:cNvSpPr>
@@ -802,7 +802,7 @@
       </p:sp>
       <p:sp>
         <p:nvSpPr>
-          <p:cNvPr id="1048689" name="Holder 5"/>
+          <p:cNvPr id="1048690" name="Holder 5"/>
           <p:cNvSpPr>
             <a:spLocks noGrp="1"/>
           </p:cNvSpPr>
@@ -835,7 +835,7 @@
       </p:sp>
       <p:sp>
         <p:nvSpPr>
-          <p:cNvPr id="1048690" name="Holder 6"/>
+          <p:cNvPr id="1048691" name="Holder 6"/>
           <p:cNvSpPr>
             <a:spLocks noGrp="1"/>
           </p:cNvSpPr>
@@ -901,7 +901,7 @@
       </p:grpSpPr>
       <p:sp>
         <p:nvSpPr>
-          <p:cNvPr id="1048691" name="Holder 2"/>
+          <p:cNvPr id="1048692" name="Holder 2"/>
           <p:cNvSpPr>
             <a:spLocks noGrp="1"/>
           </p:cNvSpPr>
@@ -928,7 +928,7 @@
       </p:sp>
       <p:sp>
         <p:nvSpPr>
-          <p:cNvPr id="1048692" name="Holder 3"/>
+          <p:cNvPr id="1048693" name="Holder 3"/>
           <p:cNvSpPr>
             <a:spLocks noGrp="1"/>
           </p:cNvSpPr>
@@ -952,7 +952,7 @@
       </p:sp>
       <p:sp>
         <p:nvSpPr>
-          <p:cNvPr id="1048693" name="Holder 4"/>
+          <p:cNvPr id="1048694" name="Holder 4"/>
           <p:cNvSpPr>
             <a:spLocks noGrp="1"/>
           </p:cNvSpPr>
@@ -976,7 +976,7 @@
       </p:sp>
       <p:sp>
         <p:nvSpPr>
-          <p:cNvPr id="1048694" name="Holder 5"/>
+          <p:cNvPr id="1048695" name="Holder 5"/>
           <p:cNvSpPr>
             <a:spLocks noGrp="1"/>
           </p:cNvSpPr>
@@ -1003,7 +1003,7 @@
       </p:sp>
       <p:sp>
         <p:nvSpPr>
-          <p:cNvPr id="1048695" name="Holder 6"/>
+          <p:cNvPr id="1048696" name="Holder 6"/>
           <p:cNvSpPr>
             <a:spLocks noGrp="1"/>
           </p:cNvSpPr>
@@ -1036,7 +1036,7 @@
       </p:sp>
       <p:sp>
         <p:nvSpPr>
-          <p:cNvPr id="1048696" name="Holder 7"/>
+          <p:cNvPr id="1048697" name="Holder 7"/>
           <p:cNvSpPr>
             <a:spLocks noGrp="1"/>
           </p:cNvSpPr>
@@ -1088,7 +1088,7 @@
   <p:cSld name="Title Only">
     <p:spTree>
       <p:nvGrpSpPr>
-        <p:cNvPr id="19" name=""/>
+        <p:cNvPr id="18" name=""/>
         <p:cNvGrpSpPr/>
         <p:nvPr/>
       </p:nvGrpSpPr>
@@ -1255,7 +1255,7 @@
       </p:grpSpPr>
       <p:sp>
         <p:nvSpPr>
-          <p:cNvPr id="1048697" name="Holder 2"/>
+          <p:cNvPr id="1048698" name="Holder 2"/>
           <p:cNvSpPr>
             <a:spLocks noGrp="1"/>
           </p:cNvSpPr>
@@ -1282,7 +1282,7 @@
       </p:sp>
       <p:sp>
         <p:nvSpPr>
-          <p:cNvPr id="1048698" name="Holder 3"/>
+          <p:cNvPr id="1048699" name="Holder 3"/>
           <p:cNvSpPr>
             <a:spLocks noGrp="1"/>
           </p:cNvSpPr>
@@ -1315,7 +1315,7 @@
       </p:sp>
       <p:sp>
         <p:nvSpPr>
-          <p:cNvPr id="1048699" name="Holder 4"/>
+          <p:cNvPr id="1048700" name="Holder 4"/>
           <p:cNvSpPr>
             <a:spLocks noGrp="1"/>
           </p:cNvSpPr>
@@ -1375,7 +1375,7 @@
     </p:bg>
     <p:spTree>
       <p:nvGrpSpPr>
-        <p:cNvPr id="13" name=""/>
+        <p:cNvPr id="12" name=""/>
         <p:cNvGrpSpPr/>
         <p:nvPr/>
       </p:nvGrpSpPr>
@@ -2016,11 +2016,11 @@
   </p:cSld>
   <p:clrMap accent1="accent1" accent2="accent2" accent3="accent3" accent4="accent4" accent5="accent5" accent6="accent6" bg1="lt1" bg2="lt2" tx1="dk1" tx2="dk2" hlink="hlink" folHlink="folHlink"/>
   <p:sldLayoutIdLst>
-    <p:sldLayoutId id="2147483661" r:id="rId1"/>
-    <p:sldLayoutId id="2147483662" r:id="rId2"/>
-    <p:sldLayoutId id="2147483663" r:id="rId3"/>
-    <p:sldLayoutId id="2147483664" r:id="rId4"/>
-    <p:sldLayoutId id="2147483665" r:id="rId5"/>
+    <p:sldLayoutId id="2147483649" r:id="rId1"/>
+    <p:sldLayoutId id="2147483650" r:id="rId2"/>
+    <p:sldLayoutId id="2147483651" r:id="rId3"/>
+    <p:sldLayoutId id="2147483652" r:id="rId4"/>
+    <p:sldLayoutId id="2147483653" r:id="rId5"/>
   </p:sldLayoutIdLst>
   <p:txStyles>
     <p:titleStyle>
@@ -2171,7 +2171,7 @@
   <p:cSld>
     <p:spTree>
       <p:nvGrpSpPr>
-        <p:cNvPr id="25" name=""/>
+        <p:cNvPr id="27" name=""/>
         <p:cNvGrpSpPr/>
         <p:nvPr/>
       </p:nvGrpSpPr>
@@ -2185,7 +2185,7 @@
       </p:grpSpPr>
       <p:grpSp>
         <p:nvGrpSpPr>
-          <p:cNvPr id="26" name="object 2"/>
+          <p:cNvPr id="28" name="object 2"/>
           <p:cNvGrpSpPr/>
           <p:nvPr/>
         </p:nvGrpSpPr>
@@ -2199,7 +2199,7 @@
         </p:grpSpPr>
         <p:sp>
           <p:nvSpPr>
-            <p:cNvPr id="1048619" name="object 3"/>
+            <p:cNvPr id="1048632" name="object 3"/>
             <p:cNvSpPr/>
             <p:nvPr/>
           </p:nvSpPr>
@@ -2250,7 +2250,7 @@
         </p:sp>
         <p:sp>
           <p:nvSpPr>
-            <p:cNvPr id="1048620" name="object 4"/>
+            <p:cNvPr id="1048633" name="object 4"/>
             <p:cNvSpPr/>
             <p:nvPr/>
           </p:nvSpPr>
@@ -2302,7 +2302,7 @@
       </p:grpSp>
       <p:sp>
         <p:nvSpPr>
-          <p:cNvPr id="1048621" name="object 5"/>
+          <p:cNvPr id="1048634" name="object 5"/>
           <p:cNvSpPr/>
           <p:nvPr/>
         </p:nvSpPr>
@@ -2353,7 +2353,7 @@
       </p:sp>
       <p:sp>
         <p:nvSpPr>
-          <p:cNvPr id="1048622" name="object 6"/>
+          <p:cNvPr id="1048635" name="object 6"/>
           <p:cNvSpPr/>
           <p:nvPr/>
         </p:nvSpPr>
@@ -2404,7 +2404,7 @@
       </p:sp>
       <p:sp>
         <p:nvSpPr>
-          <p:cNvPr id="1048623" name="object 7"/>
+          <p:cNvPr id="1048636" name="object 7"/>
           <p:cNvSpPr txBox="1">
             <a:spLocks noGrp="1"/>
           </p:cNvSpPr>
@@ -2465,7 +2465,7 @@
       </p:sp>
       <p:pic>
         <p:nvPicPr>
-          <p:cNvPr id="2097156" name="object 9"/>
+          <p:cNvPr id="2097159" name="object 9"/>
           <p:cNvPicPr>
             <a:picLocks/>
           </p:cNvPicPr>
@@ -2487,7 +2487,7 @@
       </p:pic>
       <p:sp>
         <p:nvSpPr>
-          <p:cNvPr id="1048624" name="object 11"/>
+          <p:cNvPr id="1048637" name="object 11"/>
           <p:cNvSpPr txBox="1">
             <a:spLocks noGrp="1"/>
           </p:cNvSpPr>
@@ -2521,7 +2521,7 @@
       </p:sp>
       <p:sp>
         <p:nvSpPr>
-          <p:cNvPr id="1048625" name="TextBox 13" descr="STUDENT NAME: Madhavan T REGISTER NO AND NMID: asunm126212400641 DEPARTMENT: BCA COLLEGE: JAYA COLLEGE OF ARTS &amp; SCIENCE/UNIVERSITY OF MADRAS"/>
+          <p:cNvPr id="1048638" name="TextBox 13" descr="STUDENT NAME: Madhavan T REGISTER NO AND NMID: asunm126212400641 DEPARTMENT: BCA COLLEGE: JAYA COLLEGE OF ARTS &amp; SCIENCE/UNIVERSITY OF MADRAS"/>
           <p:cNvSpPr txBox="1"/>
           <p:nvPr/>
         </p:nvSpPr>
@@ -2827,7 +2827,7 @@
       </p:grpSpPr>
       <p:sp>
         <p:nvSpPr>
-          <p:cNvPr id="1048601" name="object 2"/>
+          <p:cNvPr id="1048597" name="object 2"/>
           <p:cNvSpPr txBox="1"/>
           <p:nvPr/>
         </p:nvSpPr>
@@ -2997,7 +2997,7 @@
       </p:sp>
       <p:sp>
         <p:nvSpPr>
-          <p:cNvPr id="1048602" name="object 3"/>
+          <p:cNvPr id="1048598" name="object 3"/>
           <p:cNvSpPr/>
           <p:nvPr/>
         </p:nvSpPr>
@@ -3042,7 +3042,7 @@
       </p:sp>
       <p:sp>
         <p:nvSpPr>
-          <p:cNvPr id="1048603" name="object 4"/>
+          <p:cNvPr id="1048599" name="object 4"/>
           <p:cNvSpPr/>
           <p:nvPr/>
         </p:nvSpPr>
@@ -3087,7 +3087,7 @@
       </p:sp>
       <p:sp>
         <p:nvSpPr>
-          <p:cNvPr id="1048604" name="object 5"/>
+          <p:cNvPr id="1048600" name="object 5"/>
           <p:cNvSpPr/>
           <p:nvPr/>
         </p:nvSpPr>
@@ -3132,7 +3132,7 @@
       </p:sp>
       <p:pic>
         <p:nvPicPr>
-          <p:cNvPr id="2097153" name="object 6"/>
+          <p:cNvPr id="2097152" name="object 6"/>
           <p:cNvPicPr>
             <a:picLocks/>
           </p:cNvPicPr>
@@ -3154,7 +3154,7 @@
       </p:pic>
       <p:sp>
         <p:nvSpPr>
-          <p:cNvPr id="1048605" name="object 7"/>
+          <p:cNvPr id="1048601" name="object 7"/>
           <p:cNvSpPr txBox="1">
             <a:spLocks noGrp="1"/>
           </p:cNvSpPr>
@@ -3192,7 +3192,7 @@
       </p:sp>
       <p:sp>
         <p:nvSpPr>
-          <p:cNvPr id="1048606" name="object 8"/>
+          <p:cNvPr id="1048602" name="object 8"/>
           <p:cNvSpPr txBox="1"/>
           <p:nvPr/>
         </p:nvSpPr>
@@ -3235,7 +3235,7 @@
       </p:sp>
       <p:sp>
         <p:nvSpPr>
-          <p:cNvPr id="1048607" name="TextBox 8"/>
+          <p:cNvPr id="1048603" name="TextBox 8"/>
           <p:cNvSpPr txBox="1"/>
           <p:nvPr/>
         </p:nvSpPr>
@@ -3288,7 +3288,7 @@
       </p:sp>
       <p:pic>
         <p:nvPicPr>
-          <p:cNvPr id="2097154" name=""/>
+          <p:cNvPr id="2097153" name=""/>
           <p:cNvPicPr>
             <a:picLocks/>
           </p:cNvPicPr>
@@ -3321,7 +3321,7 @@
   <p:cSld>
     <p:spTree>
       <p:nvGrpSpPr>
-        <p:cNvPr id="20" name=""/>
+        <p:cNvPr id="24" name=""/>
         <p:cNvGrpSpPr/>
         <p:nvPr/>
       </p:nvGrpSpPr>
@@ -3335,7 +3335,7 @@
       </p:grpSpPr>
       <p:sp>
         <p:nvSpPr>
-          <p:cNvPr id="1048595" name="object 3"/>
+          <p:cNvPr id="1048614" name="object 3"/>
           <p:cNvSpPr/>
           <p:nvPr/>
         </p:nvSpPr>
@@ -3380,7 +3380,7 @@
       </p:sp>
       <p:sp>
         <p:nvSpPr>
-          <p:cNvPr id="1048596" name="object 4"/>
+          <p:cNvPr id="1048615" name="object 4"/>
           <p:cNvSpPr/>
           <p:nvPr/>
         </p:nvSpPr>
@@ -3425,7 +3425,7 @@
       </p:sp>
       <p:sp>
         <p:nvSpPr>
-          <p:cNvPr id="1048597" name="object 5"/>
+          <p:cNvPr id="1048616" name="object 5"/>
           <p:cNvSpPr/>
           <p:nvPr/>
         </p:nvSpPr>
@@ -3470,7 +3470,7 @@
       </p:sp>
       <p:pic>
         <p:nvPicPr>
-          <p:cNvPr id="2097152" name="object 6"/>
+          <p:cNvPr id="2097155" name="object 6"/>
           <p:cNvPicPr>
             <a:picLocks/>
           </p:cNvPicPr>
@@ -3492,7 +3492,7 @@
       </p:pic>
       <p:sp>
         <p:nvSpPr>
-          <p:cNvPr id="1048598" name="object 7"/>
+          <p:cNvPr id="1048617" name="object 7"/>
           <p:cNvSpPr txBox="1">
             <a:spLocks noGrp="1"/>
           </p:cNvSpPr>
@@ -3530,7 +3530,7 @@
       </p:sp>
       <p:sp>
         <p:nvSpPr>
-          <p:cNvPr id="1048599" name="object 9"/>
+          <p:cNvPr id="1048618" name="object 9"/>
           <p:cNvSpPr txBox="1"/>
           <p:nvPr/>
         </p:nvSpPr>
@@ -3573,7 +3573,7 @@
       </p:sp>
       <p:sp>
         <p:nvSpPr>
-          <p:cNvPr id="1048600" name="Rectangle 1"/>
+          <p:cNvPr id="1048619" name="Rectangle 1"/>
           <p:cNvSpPr/>
           <p:nvPr/>
         </p:nvSpPr>
@@ -3615,7 +3615,7 @@
   <p:cSld>
     <p:spTree>
       <p:nvGrpSpPr>
-        <p:cNvPr id="29" name=""/>
+        <p:cNvPr id="31" name=""/>
         <p:cNvGrpSpPr/>
         <p:nvPr/>
       </p:nvGrpSpPr>
@@ -3629,7 +3629,7 @@
       </p:grpSpPr>
       <p:sp>
         <p:nvSpPr>
-          <p:cNvPr id="1048629" name="object 2"/>
+          <p:cNvPr id="1048642" name="object 2"/>
           <p:cNvSpPr/>
           <p:nvPr/>
         </p:nvSpPr>
@@ -3679,7 +3679,7 @@
       </p:sp>
       <p:grpSp>
         <p:nvGrpSpPr>
-          <p:cNvPr id="30" name="object 3"/>
+          <p:cNvPr id="32" name="object 3"/>
           <p:cNvGrpSpPr/>
           <p:nvPr/>
         </p:nvGrpSpPr>
@@ -3693,7 +3693,7 @@
         </p:grpSpPr>
         <p:sp>
           <p:nvSpPr>
-            <p:cNvPr id="1048630" name="object 4"/>
+            <p:cNvPr id="1048643" name="object 4"/>
             <p:cNvSpPr/>
             <p:nvPr/>
           </p:nvSpPr>
@@ -3730,7 +3730,7 @@
         </p:sp>
         <p:sp>
           <p:nvSpPr>
-            <p:cNvPr id="1048631" name="object 5"/>
+            <p:cNvPr id="1048644" name="object 5"/>
             <p:cNvSpPr/>
             <p:nvPr/>
           </p:nvSpPr>
@@ -3767,7 +3767,7 @@
         </p:sp>
         <p:sp>
           <p:nvSpPr>
-            <p:cNvPr id="1048632" name="object 6"/>
+            <p:cNvPr id="1048645" name="object 6"/>
             <p:cNvSpPr/>
             <p:nvPr/>
           </p:nvSpPr>
@@ -3814,7 +3814,7 @@
         </p:sp>
         <p:sp>
           <p:nvSpPr>
-            <p:cNvPr id="1048633" name="object 7"/>
+            <p:cNvPr id="1048646" name="object 7"/>
             <p:cNvSpPr/>
             <p:nvPr/>
           </p:nvSpPr>
@@ -3861,7 +3861,7 @@
         </p:sp>
         <p:sp>
           <p:nvSpPr>
-            <p:cNvPr id="1048634" name="object 8"/>
+            <p:cNvPr id="1048647" name="object 8"/>
             <p:cNvSpPr/>
             <p:nvPr/>
           </p:nvSpPr>
@@ -3905,7 +3905,7 @@
         </p:sp>
         <p:sp>
           <p:nvSpPr>
-            <p:cNvPr id="1048635" name="object 9"/>
+            <p:cNvPr id="1048648" name="object 9"/>
             <p:cNvSpPr/>
             <p:nvPr/>
           </p:nvSpPr>
@@ -3952,7 +3952,7 @@
         </p:sp>
         <p:sp>
           <p:nvSpPr>
-            <p:cNvPr id="1048636" name="object 10"/>
+            <p:cNvPr id="1048649" name="object 10"/>
             <p:cNvSpPr/>
             <p:nvPr/>
           </p:nvSpPr>
@@ -3999,7 +3999,7 @@
         </p:sp>
         <p:sp>
           <p:nvSpPr>
-            <p:cNvPr id="1048637" name="object 11"/>
+            <p:cNvPr id="1048650" name="object 11"/>
             <p:cNvSpPr/>
             <p:nvPr/>
           </p:nvSpPr>
@@ -4046,7 +4046,7 @@
         </p:sp>
         <p:sp>
           <p:nvSpPr>
-            <p:cNvPr id="1048638" name="object 12"/>
+            <p:cNvPr id="1048651" name="object 12"/>
             <p:cNvSpPr/>
             <p:nvPr/>
           </p:nvSpPr>
@@ -4091,7 +4091,7 @@
       </p:grpSp>
       <p:sp>
         <p:nvSpPr>
-          <p:cNvPr id="1048639" name="object 13"/>
+          <p:cNvPr id="1048652" name="object 13"/>
           <p:cNvSpPr/>
           <p:nvPr/>
         </p:nvSpPr>
@@ -4135,7 +4135,7 @@
       </p:sp>
       <p:sp>
         <p:nvSpPr>
-          <p:cNvPr id="1048640" name="object 14"/>
+          <p:cNvPr id="1048653" name="object 14"/>
           <p:cNvSpPr/>
           <p:nvPr/>
         </p:nvSpPr>
@@ -4180,7 +4180,7 @@
       </p:sp>
       <p:sp>
         <p:nvSpPr>
-          <p:cNvPr id="1048641" name="object 15"/>
+          <p:cNvPr id="1048654" name="object 15"/>
           <p:cNvSpPr/>
           <p:nvPr/>
         </p:nvSpPr>
@@ -4225,7 +4225,7 @@
       </p:sp>
       <p:sp>
         <p:nvSpPr>
-          <p:cNvPr id="1048642" name="object 16"/>
+          <p:cNvPr id="1048655" name="object 16"/>
           <p:cNvSpPr/>
           <p:nvPr/>
         </p:nvSpPr>
@@ -4270,7 +4270,7 @@
       </p:sp>
       <p:sp>
         <p:nvSpPr>
-          <p:cNvPr id="1048643" name="object 17"/>
+          <p:cNvPr id="1048656" name="object 17"/>
           <p:cNvSpPr txBox="1">
             <a:spLocks noGrp="1"/>
           </p:cNvSpPr>
@@ -4308,7 +4308,7 @@
       </p:sp>
       <p:grpSp>
         <p:nvGrpSpPr>
-          <p:cNvPr id="31" name="object 18"/>
+          <p:cNvPr id="33" name="object 18"/>
           <p:cNvGrpSpPr/>
           <p:nvPr/>
         </p:nvGrpSpPr>
@@ -4322,7 +4322,7 @@
         </p:grpSpPr>
         <p:pic>
           <p:nvPicPr>
-            <p:cNvPr id="2097157" name="object 19"/>
+            <p:cNvPr id="2097160" name="object 19"/>
             <p:cNvPicPr>
               <a:picLocks/>
             </p:cNvPicPr>
@@ -4344,7 +4344,7 @@
         </p:pic>
         <p:pic>
           <p:nvPicPr>
-            <p:cNvPr id="2097158" name="object 20"/>
+            <p:cNvPr id="2097161" name="object 20"/>
             <p:cNvPicPr>
               <a:picLocks/>
             </p:cNvPicPr>
@@ -4367,7 +4367,7 @@
       </p:grpSp>
       <p:sp>
         <p:nvSpPr>
-          <p:cNvPr id="1048644" name="object 22"/>
+          <p:cNvPr id="1048657" name="object 22"/>
           <p:cNvSpPr txBox="1">
             <a:spLocks noGrp="1"/>
           </p:cNvSpPr>
@@ -4412,7 +4412,7 @@
   <p:cSld>
     <p:spTree>
       <p:nvGrpSpPr>
-        <p:cNvPr id="32" name=""/>
+        <p:cNvPr id="34" name=""/>
         <p:cNvGrpSpPr/>
         <p:nvPr/>
       </p:nvGrpSpPr>
@@ -4426,7 +4426,7 @@
       </p:grpSpPr>
       <p:sp>
         <p:nvSpPr>
-          <p:cNvPr id="1048645" name="object 2"/>
+          <p:cNvPr id="1048658" name="object 2"/>
           <p:cNvSpPr/>
           <p:nvPr/>
         </p:nvSpPr>
@@ -4473,7 +4473,7 @@
       </p:sp>
       <p:grpSp>
         <p:nvGrpSpPr>
-          <p:cNvPr id="33" name="object 3"/>
+          <p:cNvPr id="35" name="object 3"/>
           <p:cNvGrpSpPr/>
           <p:nvPr/>
         </p:nvGrpSpPr>
@@ -4487,7 +4487,7 @@
         </p:grpSpPr>
         <p:sp>
           <p:nvSpPr>
-            <p:cNvPr id="1048646" name="object 4"/>
+            <p:cNvPr id="1048659" name="object 4"/>
             <p:cNvSpPr/>
             <p:nvPr/>
           </p:nvSpPr>
@@ -4524,7 +4524,7 @@
         </p:sp>
         <p:sp>
           <p:nvSpPr>
-            <p:cNvPr id="1048647" name="object 5"/>
+            <p:cNvPr id="1048660" name="object 5"/>
             <p:cNvSpPr/>
             <p:nvPr/>
           </p:nvSpPr>
@@ -4561,7 +4561,7 @@
         </p:sp>
         <p:sp>
           <p:nvSpPr>
-            <p:cNvPr id="1048648" name="object 6"/>
+            <p:cNvPr id="1048661" name="object 6"/>
             <p:cNvSpPr/>
             <p:nvPr/>
           </p:nvSpPr>
@@ -4608,7 +4608,7 @@
         </p:sp>
         <p:sp>
           <p:nvSpPr>
-            <p:cNvPr id="1048649" name="object 7"/>
+            <p:cNvPr id="1048662" name="object 7"/>
             <p:cNvSpPr/>
             <p:nvPr/>
           </p:nvSpPr>
@@ -4655,7 +4655,7 @@
         </p:sp>
         <p:sp>
           <p:nvSpPr>
-            <p:cNvPr id="1048650" name="object 8"/>
+            <p:cNvPr id="1048663" name="object 8"/>
             <p:cNvSpPr/>
             <p:nvPr/>
           </p:nvSpPr>
@@ -4699,7 +4699,7 @@
         </p:sp>
         <p:sp>
           <p:nvSpPr>
-            <p:cNvPr id="1048651" name="object 9"/>
+            <p:cNvPr id="1048664" name="object 9"/>
             <p:cNvSpPr/>
             <p:nvPr/>
           </p:nvSpPr>
@@ -4746,7 +4746,7 @@
         </p:sp>
         <p:sp>
           <p:nvSpPr>
-            <p:cNvPr id="1048652" name="object 10"/>
+            <p:cNvPr id="1048665" name="object 10"/>
             <p:cNvSpPr/>
             <p:nvPr/>
           </p:nvSpPr>
@@ -4793,7 +4793,7 @@
         </p:sp>
         <p:sp>
           <p:nvSpPr>
-            <p:cNvPr id="1048653" name="object 11"/>
+            <p:cNvPr id="1048666" name="object 11"/>
             <p:cNvSpPr/>
             <p:nvPr/>
           </p:nvSpPr>
@@ -4840,7 +4840,7 @@
         </p:sp>
         <p:sp>
           <p:nvSpPr>
-            <p:cNvPr id="1048654" name="object 12"/>
+            <p:cNvPr id="1048667" name="object 12"/>
             <p:cNvSpPr/>
             <p:nvPr/>
           </p:nvSpPr>
@@ -4885,7 +4885,7 @@
       </p:grpSp>
       <p:sp>
         <p:nvSpPr>
-          <p:cNvPr id="1048655" name="object 13"/>
+          <p:cNvPr id="1048668" name="object 13"/>
           <p:cNvSpPr/>
           <p:nvPr/>
         </p:nvSpPr>
@@ -4929,7 +4929,7 @@
       </p:sp>
       <p:sp>
         <p:nvSpPr>
-          <p:cNvPr id="1048656" name="object 14"/>
+          <p:cNvPr id="1048669" name="object 14"/>
           <p:cNvSpPr txBox="1"/>
           <p:nvPr/>
         </p:nvSpPr>
@@ -5099,7 +5099,7 @@
       </p:sp>
       <p:sp>
         <p:nvSpPr>
-          <p:cNvPr id="1048657" name="object 15"/>
+          <p:cNvPr id="1048670" name="object 15"/>
           <p:cNvSpPr/>
           <p:nvPr/>
         </p:nvSpPr>
@@ -5204,7 +5204,7 @@
       </p:sp>
       <p:sp>
         <p:nvSpPr>
-          <p:cNvPr id="1048658" name="object 16"/>
+          <p:cNvPr id="1048671" name="object 16"/>
           <p:cNvSpPr/>
           <p:nvPr/>
         </p:nvSpPr>
@@ -5369,7 +5369,7 @@
       </p:sp>
       <p:pic>
         <p:nvPicPr>
-          <p:cNvPr id="2097159" name="object 17"/>
+          <p:cNvPr id="2097162" name="object 17"/>
           <p:cNvPicPr>
             <a:picLocks/>
           </p:cNvPicPr>
@@ -5391,7 +5391,7 @@
       </p:pic>
       <p:grpSp>
         <p:nvGrpSpPr>
-          <p:cNvPr id="34" name="object 18"/>
+          <p:cNvPr id="36" name="object 18"/>
           <p:cNvGrpSpPr/>
           <p:nvPr/>
         </p:nvGrpSpPr>
@@ -5405,7 +5405,7 @@
         </p:grpSpPr>
         <p:pic>
           <p:nvPicPr>
-            <p:cNvPr id="2097160" name="object 19"/>
+            <p:cNvPr id="2097163" name="object 19"/>
             <p:cNvPicPr>
               <a:picLocks/>
             </p:cNvPicPr>
@@ -5427,7 +5427,7 @@
         </p:pic>
         <p:pic>
           <p:nvPicPr>
-            <p:cNvPr id="2097161" name="object 20"/>
+            <p:cNvPr id="2097164" name="object 20"/>
             <p:cNvPicPr>
               <a:picLocks/>
             </p:cNvPicPr>
@@ -5450,7 +5450,7 @@
       </p:grpSp>
       <p:sp>
         <p:nvSpPr>
-          <p:cNvPr id="1048659" name="object 21"/>
+          <p:cNvPr id="1048672" name="object 21"/>
           <p:cNvSpPr txBox="1">
             <a:spLocks noGrp="1"/>
           </p:cNvSpPr>
@@ -5503,7 +5503,7 @@
       </p:sp>
       <p:sp>
         <p:nvSpPr>
-          <p:cNvPr id="1048660" name="object 22"/>
+          <p:cNvPr id="1048673" name="object 22"/>
           <p:cNvSpPr txBox="1">
             <a:spLocks noGrp="1"/>
           </p:cNvSpPr>
@@ -5537,7 +5537,7 @@
       </p:sp>
       <p:sp>
         <p:nvSpPr>
-          <p:cNvPr id="1048661" name="TextBox 22"/>
+          <p:cNvPr id="1048674" name="TextBox 22"/>
           <p:cNvSpPr txBox="1"/>
           <p:nvPr/>
         </p:nvSpPr>
@@ -5787,7 +5787,7 @@
   <p:cSld>
     <p:spTree>
       <p:nvGrpSpPr>
-        <p:cNvPr id="35" name=""/>
+        <p:cNvPr id="37" name=""/>
         <p:cNvGrpSpPr/>
         <p:nvPr/>
       </p:nvGrpSpPr>
@@ -5801,7 +5801,7 @@
       </p:grpSpPr>
       <p:grpSp>
         <p:nvGrpSpPr>
-          <p:cNvPr id="36" name="object 2"/>
+          <p:cNvPr id="38" name="object 2"/>
           <p:cNvGrpSpPr/>
           <p:nvPr/>
         </p:nvGrpSpPr>
@@ -5815,7 +5815,7 @@
         </p:grpSpPr>
         <p:sp>
           <p:nvSpPr>
-            <p:cNvPr id="1048662" name="object 3"/>
+            <p:cNvPr id="1048675" name="object 3"/>
             <p:cNvSpPr/>
             <p:nvPr/>
           </p:nvSpPr>
@@ -5860,7 +5860,7 @@
         </p:sp>
         <p:sp>
           <p:nvSpPr>
-            <p:cNvPr id="1048663" name="object 4"/>
+            <p:cNvPr id="1048676" name="object 4"/>
             <p:cNvSpPr/>
             <p:nvPr/>
           </p:nvSpPr>
@@ -5905,7 +5905,7 @@
         </p:sp>
         <p:pic>
           <p:nvPicPr>
-            <p:cNvPr id="2097162" name="object 5"/>
+            <p:cNvPr id="2097165" name="object 5"/>
             <p:cNvPicPr>
               <a:picLocks/>
             </p:cNvPicPr>
@@ -5928,7 +5928,7 @@
       </p:grpSp>
       <p:sp>
         <p:nvSpPr>
-          <p:cNvPr id="1048664" name="object 6"/>
+          <p:cNvPr id="1048677" name="object 6"/>
           <p:cNvSpPr/>
           <p:nvPr/>
         </p:nvSpPr>
@@ -5975,7 +5975,7 @@
       </p:sp>
       <p:sp>
         <p:nvSpPr>
-          <p:cNvPr id="1048665" name="object 7"/>
+          <p:cNvPr id="1048678" name="object 7"/>
           <p:cNvSpPr txBox="1">
             <a:spLocks noGrp="1"/>
           </p:cNvSpPr>
@@ -6064,7 +6064,7 @@
       </p:sp>
       <p:pic>
         <p:nvPicPr>
-          <p:cNvPr id="2097163" name="object 8"/>
+          <p:cNvPr id="2097166" name="object 8"/>
           <p:cNvPicPr>
             <a:picLocks/>
           </p:cNvPicPr>
@@ -6086,7 +6086,7 @@
       </p:pic>
       <p:sp>
         <p:nvSpPr>
-          <p:cNvPr id="1048666" name="object 10"/>
+          <p:cNvPr id="1048679" name="object 10"/>
           <p:cNvSpPr txBox="1">
             <a:spLocks noGrp="1"/>
           </p:cNvSpPr>
@@ -6120,7 +6120,7 @@
       </p:sp>
       <p:sp>
         <p:nvSpPr>
-          <p:cNvPr id="1048667" name="Rectangle 8"/>
+          <p:cNvPr id="1048680" name="Rectangle 8"/>
           <p:cNvSpPr/>
           <p:nvPr/>
         </p:nvSpPr>
@@ -6174,7 +6174,7 @@
   <p:cSld>
     <p:spTree>
       <p:nvGrpSpPr>
-        <p:cNvPr id="37" name=""/>
+        <p:cNvPr id="39" name=""/>
         <p:cNvGrpSpPr/>
         <p:nvPr/>
       </p:nvGrpSpPr>
@@ -6188,7 +6188,7 @@
       </p:grpSpPr>
       <p:grpSp>
         <p:nvGrpSpPr>
-          <p:cNvPr id="38" name="object 2"/>
+          <p:cNvPr id="40" name="object 2"/>
           <p:cNvGrpSpPr/>
           <p:nvPr/>
         </p:nvGrpSpPr>
@@ -6202,7 +6202,7 @@
         </p:grpSpPr>
         <p:sp>
           <p:nvSpPr>
-            <p:cNvPr id="1048668" name="object 3"/>
+            <p:cNvPr id="1048681" name="object 3"/>
             <p:cNvSpPr/>
             <p:nvPr/>
           </p:nvSpPr>
@@ -6247,7 +6247,7 @@
         </p:sp>
         <p:sp>
           <p:nvSpPr>
-            <p:cNvPr id="1048669" name="object 4"/>
+            <p:cNvPr id="1048682" name="object 4"/>
             <p:cNvSpPr/>
             <p:nvPr/>
           </p:nvSpPr>
@@ -6292,7 +6292,7 @@
         </p:sp>
         <p:pic>
           <p:nvPicPr>
-            <p:cNvPr id="2097164" name="object 5"/>
+            <p:cNvPr id="2097167" name="object 5"/>
             <p:cNvPicPr>
               <a:picLocks/>
             </p:cNvPicPr>
@@ -6315,7 +6315,7 @@
       </p:grpSp>
       <p:sp>
         <p:nvSpPr>
-          <p:cNvPr id="1048670" name="object 6"/>
+          <p:cNvPr id="1048683" name="object 6"/>
           <p:cNvSpPr/>
           <p:nvPr/>
         </p:nvSpPr>
@@ -6360,7 +6360,7 @@
       </p:sp>
       <p:sp>
         <p:nvSpPr>
-          <p:cNvPr id="1048671" name="object 7"/>
+          <p:cNvPr id="1048684" name="object 7"/>
           <p:cNvSpPr txBox="1">
             <a:spLocks noGrp="1"/>
           </p:cNvSpPr>
@@ -6405,7 +6405,7 @@
       </p:sp>
       <p:pic>
         <p:nvPicPr>
-          <p:cNvPr id="2097165" name="object 8"/>
+          <p:cNvPr id="2097168" name="object 8"/>
           <p:cNvPicPr>
             <a:picLocks/>
           </p:cNvPicPr>
@@ -6427,7 +6427,7 @@
       </p:pic>
       <p:sp>
         <p:nvSpPr>
-          <p:cNvPr id="1048672" name="object 10"/>
+          <p:cNvPr id="1048685" name="object 10"/>
           <p:cNvSpPr txBox="1">
             <a:spLocks noGrp="1"/>
           </p:cNvSpPr>
@@ -6461,7 +6461,7 @@
       </p:sp>
       <p:sp>
         <p:nvSpPr>
-          <p:cNvPr id="1048673" name="Rectangle 8"/>
+          <p:cNvPr id="1048686" name="Rectangle 8"/>
           <p:cNvSpPr/>
           <p:nvPr/>
         </p:nvSpPr>
@@ -6514,7 +6514,7 @@
   <p:cSld>
     <p:spTree>
       <p:nvGrpSpPr>
-        <p:cNvPr id="39" name=""/>
+        <p:cNvPr id="26" name=""/>
         <p:cNvGrpSpPr/>
         <p:nvPr/>
       </p:nvGrpSpPr>
@@ -6528,7 +6528,7 @@
       </p:grpSpPr>
       <p:sp>
         <p:nvSpPr>
-          <p:cNvPr id="1048674" name="object 2"/>
+          <p:cNvPr id="1048626" name="object 2"/>
           <p:cNvSpPr/>
           <p:nvPr/>
         </p:nvSpPr>
@@ -6573,7 +6573,7 @@
       </p:sp>
       <p:sp>
         <p:nvSpPr>
-          <p:cNvPr id="1048675" name="object 3"/>
+          <p:cNvPr id="1048627" name="object 3"/>
           <p:cNvSpPr/>
           <p:nvPr/>
         </p:nvSpPr>
@@ -6618,7 +6618,7 @@
       </p:sp>
       <p:sp>
         <p:nvSpPr>
-          <p:cNvPr id="1048676" name="object 4"/>
+          <p:cNvPr id="1048628" name="object 4"/>
           <p:cNvSpPr/>
           <p:nvPr/>
         </p:nvSpPr>
@@ -6663,7 +6663,7 @@
       </p:sp>
       <p:sp>
         <p:nvSpPr>
-          <p:cNvPr id="1048677" name="object 5"/>
+          <p:cNvPr id="1048629" name="object 5"/>
           <p:cNvSpPr txBox="1">
             <a:spLocks noGrp="1"/>
           </p:cNvSpPr>
@@ -6777,7 +6777,7 @@
       </p:sp>
       <p:pic>
         <p:nvPicPr>
-          <p:cNvPr id="2097166" name="object 6"/>
+          <p:cNvPr id="2097158" name="object 6"/>
           <p:cNvPicPr>
             <a:picLocks/>
           </p:cNvPicPr>
@@ -6799,7 +6799,7 @@
       </p:pic>
       <p:sp>
         <p:nvSpPr>
-          <p:cNvPr id="1048678" name="object 8"/>
+          <p:cNvPr id="1048630" name="object 8"/>
           <p:cNvSpPr txBox="1">
             <a:spLocks noGrp="1"/>
           </p:cNvSpPr>
@@ -6833,7 +6833,7 @@
       </p:sp>
       <p:sp>
         <p:nvSpPr>
-          <p:cNvPr id="1048679" name="Rectangle 6"/>
+          <p:cNvPr id="1048631" name="Rectangle 6"/>
           <p:cNvSpPr/>
           <p:nvPr/>
         </p:nvSpPr>
@@ -6986,7 +6986,7 @@
   <p:cSld>
     <p:spTree>
       <p:nvGrpSpPr>
-        <p:cNvPr id="40" name=""/>
+        <p:cNvPr id="25" name=""/>
         <p:cNvGrpSpPr/>
         <p:nvPr/>
       </p:nvGrpSpPr>
@@ -7000,7 +7000,7 @@
       </p:grpSpPr>
       <p:pic>
         <p:nvPicPr>
-          <p:cNvPr id="2097167" name="object 2"/>
+          <p:cNvPr id="2097156" name="object 2"/>
           <p:cNvPicPr>
             <a:picLocks/>
           </p:cNvPicPr>
@@ -7022,7 +7022,7 @@
       </p:pic>
       <p:sp>
         <p:nvSpPr>
-          <p:cNvPr id="1048680" name="object 3"/>
+          <p:cNvPr id="1048620" name="object 3"/>
           <p:cNvSpPr/>
           <p:nvPr/>
         </p:nvSpPr>
@@ -7067,7 +7067,7 @@
       </p:sp>
       <p:sp>
         <p:nvSpPr>
-          <p:cNvPr id="1048681" name="object 4"/>
+          <p:cNvPr id="1048621" name="object 4"/>
           <p:cNvSpPr/>
           <p:nvPr/>
         </p:nvSpPr>
@@ -7112,7 +7112,7 @@
       </p:sp>
       <p:sp>
         <p:nvSpPr>
-          <p:cNvPr id="1048682" name="object 5"/>
+          <p:cNvPr id="1048622" name="object 5"/>
           <p:cNvSpPr/>
           <p:nvPr/>
         </p:nvSpPr>
@@ -7157,7 +7157,7 @@
       </p:sp>
       <p:sp>
         <p:nvSpPr>
-          <p:cNvPr id="1048683" name="object 6"/>
+          <p:cNvPr id="1048623" name="object 6"/>
           <p:cNvSpPr txBox="1">
             <a:spLocks noGrp="1"/>
           </p:cNvSpPr>
@@ -7195,7 +7195,7 @@
       </p:sp>
       <p:pic>
         <p:nvPicPr>
-          <p:cNvPr id="2097168" name="object 7"/>
+          <p:cNvPr id="2097157" name="object 7"/>
           <p:cNvPicPr>
             <a:picLocks/>
           </p:cNvPicPr>
@@ -7217,7 +7217,7 @@
       </p:pic>
       <p:sp>
         <p:nvSpPr>
-          <p:cNvPr id="1048684" name="object 9"/>
+          <p:cNvPr id="1048624" name="object 9"/>
           <p:cNvSpPr txBox="1">
             <a:spLocks noGrp="1"/>
           </p:cNvSpPr>
@@ -7251,7 +7251,7 @@
       </p:sp>
       <p:sp>
         <p:nvSpPr>
-          <p:cNvPr id="1048685" name="Rectangle 7"/>
+          <p:cNvPr id="1048625" name="Rectangle 7"/>
           <p:cNvSpPr/>
           <p:nvPr/>
         </p:nvSpPr>
@@ -7583,7 +7583,7 @@
   <p:cSld>
     <p:spTree>
       <p:nvGrpSpPr>
-        <p:cNvPr id="24" name=""/>
+        <p:cNvPr id="23" name=""/>
         <p:cNvGrpSpPr/>
         <p:nvPr/>
       </p:nvGrpSpPr>
@@ -7597,7 +7597,7 @@
       </p:grpSpPr>
       <p:sp>
         <p:nvSpPr>
-          <p:cNvPr id="1048615" name="object 5"/>
+          <p:cNvPr id="1048609" name="object 5"/>
           <p:cNvSpPr/>
           <p:nvPr/>
         </p:nvSpPr>
@@ -7642,7 +7642,7 @@
       </p:sp>
       <p:pic>
         <p:nvPicPr>
-          <p:cNvPr id="2097155" name="object 6"/>
+          <p:cNvPr id="2097154" name="object 6"/>
           <p:cNvPicPr>
             <a:picLocks/>
           </p:cNvPicPr>
@@ -7664,7 +7664,7 @@
       </p:pic>
       <p:sp>
         <p:nvSpPr>
-          <p:cNvPr id="1048616" name="object 9"/>
+          <p:cNvPr id="1048610" name="object 9"/>
           <p:cNvSpPr txBox="1"/>
           <p:nvPr/>
         </p:nvSpPr>
@@ -7707,7 +7707,7 @@
       </p:sp>
       <p:sp>
         <p:nvSpPr>
-          <p:cNvPr id="1048617" name="object 8"/>
+          <p:cNvPr id="1048611" name="object 8"/>
           <p:cNvSpPr txBox="1"/>
           <p:nvPr/>
         </p:nvSpPr>
@@ -7747,7 +7747,7 @@
       </p:sp>
       <p:sp>
         <p:nvSpPr>
-          <p:cNvPr id="1048618" name="object 3"/>
+          <p:cNvPr id="1048612" name="object 3"/>
           <p:cNvSpPr/>
           <p:nvPr/>
         </p:nvSpPr>
@@ -7788,6 +7788,47 @@
         <p:txBody>
           <a:bodyPr bIns="0" lIns="0" rIns="0" rtlCol="0" tIns="0" wrap="square"/>
           <a:p/>
+        </p:txBody>
+      </p:sp>
+      <p:sp>
+        <p:nvSpPr>
+          <p:cNvPr id="1048613" name=""/>
+          <p:cNvSpPr txBox="1"/>
+          <p:nvPr/>
+        </p:nvSpPr>
+        <p:spPr>
+          <a:xfrm rot="21534716">
+            <a:off x="2106740" y="648414"/>
+            <a:ext cx="4572000" cy="7216140"/>
+          </a:xfrm>
+          <a:prstGeom prst="rect"/>
+        </p:spPr>
+        <p:txBody>
+          <a:bodyPr rtlCol="0" wrap="square">
+            <a:spAutoFit/>
+          </a:bodyPr>
+          <a:p>
+            <a:r>
+              <a:rPr sz="2800" lang="en-IN">
+                <a:solidFill>
+                  <a:srgbClr val="000000"/>
+                </a:solidFill>
+              </a:rPr>
+              <a:t>Here’s a short version:
+Digital Portfolio Layout
+Intro – Name &amp; tagline
+About – Short bio &amp; skills
+Work – Projects with visuals
+Resume – CV/skills summary
+Contact – Email &amp; links
+</a:t>
+            </a:r>
+            <a:endParaRPr sz="2800" lang="en-IN">
+              <a:solidFill>
+                <a:srgbClr val="000000"/>
+              </a:solidFill>
+            </a:endParaRPr>
+          </a:p>
         </p:txBody>
       </p:sp>
     </p:spTree>
@@ -7803,7 +7844,7 @@
   <p:cSld>
     <p:spTree>
       <p:nvGrpSpPr>
-        <p:cNvPr id="22" name=""/>
+        <p:cNvPr id="19" name=""/>
         <p:cNvGrpSpPr/>
         <p:nvPr/>
       </p:nvGrpSpPr>
@@ -7817,7 +7858,7 @@
       </p:grpSpPr>
       <p:sp>
         <p:nvSpPr>
-          <p:cNvPr id="1048608" name="Title 1"/>
+          <p:cNvPr id="1048595" name="Title 1"/>
           <p:cNvSpPr>
             <a:spLocks noGrp="1"/>
           </p:cNvSpPr>
@@ -7843,7 +7884,7 @@
       </p:sp>
       <p:sp>
         <p:nvSpPr>
-          <p:cNvPr id="1048609" name="Rectangle 2"/>
+          <p:cNvPr id="1048596" name="Rectangle 2"/>
           <p:cNvSpPr/>
           <p:nvPr/>
         </p:nvSpPr>
